--- a/S1_templates.pptx
+++ b/S1_templates.pptx
@@ -6450,22 +6450,35 @@
                 <a:ea typeface="+mn-ea"/>
                 <a:cs typeface="Arial"/>
               </a:rPr>
-              <a:t>CSF_area_two</a:t>
+              <a:t>CSF_area</a:t>
             </a:r>
-            <a:endParaRPr kumimoji="0" lang="en-US" sz="1800" b="1" i="0" u="none" strike="noStrike" kern="1200" cap="none" spc="300" normalizeH="0" baseline="0" noProof="0" dirty="0">
-              <a:ln>
-                <a:noFill/>
-              </a:ln>
-              <a:solidFill>
-                <a:srgbClr val="FF9E1B"/>
-              </a:solidFill>
-              <a:effectLst/>
-              <a:uLnTx/>
-              <a:uFillTx/>
-              <a:latin typeface="Arial"/>
-              <a:ea typeface="+mn-ea"/>
-              <a:cs typeface="Arial"/>
-            </a:endParaRPr>
+            <a:r>
+              <a:rPr lang="en-US" b="1" spc="300" dirty="0">
+                <a:solidFill>
+                  <a:srgbClr val="FF9E1B"/>
+                </a:solidFill>
+                <a:latin typeface="Arial"/>
+                <a:cs typeface="Arial"/>
+              </a:rPr>
+              <a:t>_</a:t>
+            </a:r>
+            <a:r>
+              <a:rPr kumimoji="0" lang="en-US" sz="1800" b="1" i="0" u="none" strike="noStrike" kern="1200" cap="none" spc="300" normalizeH="0" baseline="0" noProof="0" dirty="0">
+                <a:ln>
+                  <a:noFill/>
+                </a:ln>
+                <a:solidFill>
+                  <a:srgbClr val="FF9E1B"/>
+                </a:solidFill>
+                <a:effectLst/>
+                <a:uLnTx/>
+                <a:uFillTx/>
+                <a:latin typeface="Arial"/>
+                <a:ea typeface="+mn-ea"/>
+                <a:cs typeface="Arial"/>
+              </a:rPr>
+              <a:t>two</a:t>
+            </a:r>
           </a:p>
           <a:p>
             <a:pPr marL="12700" marR="0" lvl="0" indent="0" algn="l" defTabSz="914400" rtl="0" eaLnBrk="1" fontAlgn="auto" latinLnBrk="0" hangingPunct="1">
@@ -6500,22 +6513,34 @@
                 <a:ea typeface="+mn-ea"/>
                 <a:cs typeface="+mn-cs"/>
               </a:rPr>
-              <a:t>CSF_copy_two</a:t>
+              <a:t>CSF_copy</a:t>
             </a:r>
-            <a:endParaRPr kumimoji="0" lang="en-US" sz="1600" b="0" i="0" u="none" strike="noStrike" kern="1200" cap="none" spc="0" normalizeH="0" baseline="0" noProof="0" dirty="0">
-              <a:ln>
-                <a:noFill/>
-              </a:ln>
-              <a:solidFill>
-                <a:srgbClr val="FFFFFF"/>
-              </a:solidFill>
-              <a:effectLst/>
-              <a:uLnTx/>
-              <a:uFillTx/>
-              <a:latin typeface="Arial"/>
-              <a:ea typeface="+mn-ea"/>
-              <a:cs typeface="+mn-cs"/>
-            </a:endParaRPr>
+            <a:r>
+              <a:rPr lang="en-US" sz="1600" dirty="0">
+                <a:solidFill>
+                  <a:srgbClr val="FFFFFF"/>
+                </a:solidFill>
+                <a:latin typeface="Arial"/>
+              </a:rPr>
+              <a:t>_</a:t>
+            </a:r>
+            <a:r>
+              <a:rPr kumimoji="0" lang="en-US" sz="1600" b="0" i="0" u="none" strike="noStrike" kern="1200" cap="none" spc="0" normalizeH="0" baseline="0" noProof="0" dirty="0">
+                <a:ln>
+                  <a:noFill/>
+                </a:ln>
+                <a:solidFill>
+                  <a:srgbClr val="FFFFFF"/>
+                </a:solidFill>
+                <a:effectLst/>
+                <a:uLnTx/>
+                <a:uFillTx/>
+                <a:latin typeface="Arial"/>
+                <a:ea typeface="+mn-ea"/>
+                <a:cs typeface="+mn-cs"/>
+              </a:rPr>
+              <a:t>two</a:t>
+            </a:r>
           </a:p>
         </p:txBody>
       </p:sp>
@@ -11331,7 +11356,7 @@
                 </a:solidFill>
                 <a:latin typeface="Arial"/>
               </a:rPr>
-              <a:t>Consideration_2_bullets</a:t>
+              <a:t>Consideration_3_bullets</a:t>
             </a:r>
             <a:endParaRPr kumimoji="0" lang="en-US" sz="1200" i="0" u="none" strike="noStrike" kern="1200" cap="none" spc="0" normalizeH="0" baseline="0" noProof="0" dirty="0">
               <a:ln>
@@ -24270,8 +24295,8 @@
         </p:nvSpPr>
         <p:spPr>
           <a:xfrm>
-            <a:off x="9124543" y="2752734"/>
-            <a:ext cx="2271776" cy="338554"/>
+            <a:off x="9076453" y="2752734"/>
+            <a:ext cx="2367957" cy="338554"/>
           </a:xfrm>
           <a:prstGeom prst="rect">
             <a:avLst/>
@@ -24316,7 +24341,7 @@
                 <a:ea typeface="+mn-ea"/>
                 <a:cs typeface="+mn-cs"/>
               </a:rPr>
-              <a:t>Consderation_4</a:t>
+              <a:t>Consideration_4</a:t>
             </a:r>
           </a:p>
         </p:txBody>
@@ -24552,7 +24577,7 @@
                 </a:solidFill>
                 <a:latin typeface="Arial"/>
               </a:rPr>
-              <a:t>Consideration_2_bullets</a:t>
+              <a:t>Consideration_4_bullets</a:t>
             </a:r>
             <a:endParaRPr kumimoji="0" lang="en-US" sz="1200" i="0" u="none" strike="noStrike" kern="1200" cap="none" spc="0" normalizeH="0" baseline="0" noProof="0" dirty="0">
               <a:ln>

--- a/S1_templates.pptx
+++ b/S1_templates.pptx
@@ -304,7 +304,7 @@
           <a:p>
             <a:fld id="{49BE9F26-9E42-4779-B5E6-E7FF8BA73004}" type="datetimeFigureOut">
               <a:rPr lang="en-US" smtClean="0"/>
-              <a:t>4/27/25</a:t>
+              <a:t>4/28/25</a:t>
             </a:fld>
             <a:endParaRPr lang="en-US"/>
           </a:p>
@@ -469,7 +469,7 @@
           <a:p>
             <a:fld id="{F0603BF7-43D2-4653-BB70-2FFE03F4461D}" type="datetimeFigureOut">
               <a:rPr lang="en-US" smtClean="0"/>
-              <a:t>4/27/25</a:t>
+              <a:t>4/28/25</a:t>
             </a:fld>
             <a:endParaRPr lang="en-US"/>
           </a:p>
@@ -6406,7 +6406,7 @@
         <p:spPr>
           <a:xfrm>
             <a:off x="7317482" y="1446711"/>
-            <a:ext cx="4365041" cy="548868"/>
+            <a:ext cx="4365041" cy="289823"/>
           </a:xfrm>
           <a:prstGeom prst="rect">
             <a:avLst/>
@@ -6476,68 +6476,6 @@
                 <a:latin typeface="Arial"/>
                 <a:ea typeface="+mn-ea"/>
                 <a:cs typeface="Arial"/>
-              </a:rPr>
-              <a:t>two</a:t>
-            </a:r>
-          </a:p>
-          <a:p>
-            <a:pPr marL="12700" marR="0" lvl="0" indent="0" algn="l" defTabSz="914400" rtl="0" eaLnBrk="1" fontAlgn="auto" latinLnBrk="0" hangingPunct="1">
-              <a:lnSpc>
-                <a:spcPct val="100000"/>
-              </a:lnSpc>
-              <a:spcBef>
-                <a:spcPts val="100"/>
-              </a:spcBef>
-              <a:spcAft>
-                <a:spcPts val="0"/>
-              </a:spcAft>
-              <a:buClrTx/>
-              <a:buSzTx/>
-              <a:buFontTx/>
-              <a:buNone/>
-              <a:tabLst/>
-              <a:defRPr/>
-            </a:pPr>
-            <a:r>
-              <a:rPr kumimoji="0" lang="en-US" sz="1600" b="0" i="0" u="none" strike="noStrike" kern="1200" cap="none" spc="0" normalizeH="0" baseline="0" noProof="0" dirty="0" err="1">
-                <a:ln>
-                  <a:noFill/>
-                </a:ln>
-                <a:solidFill>
-                  <a:srgbClr val="FFFFFF"/>
-                </a:solidFill>
-                <a:effectLst/>
-                <a:uLnTx/>
-                <a:uFillTx/>
-                <a:latin typeface="Arial"/>
-                <a:ea typeface="+mn-ea"/>
-                <a:cs typeface="+mn-cs"/>
-              </a:rPr>
-              <a:t>CSF_copy</a:t>
-            </a:r>
-            <a:r>
-              <a:rPr lang="en-US" sz="1600" dirty="0">
-                <a:solidFill>
-                  <a:srgbClr val="FFFFFF"/>
-                </a:solidFill>
-                <a:latin typeface="Arial"/>
-              </a:rPr>
-              <a:t>_</a:t>
-            </a:r>
-            <a:r>
-              <a:rPr kumimoji="0" lang="en-US" sz="1600" b="0" i="0" u="none" strike="noStrike" kern="1200" cap="none" spc="0" normalizeH="0" baseline="0" noProof="0" dirty="0">
-                <a:ln>
-                  <a:noFill/>
-                </a:ln>
-                <a:solidFill>
-                  <a:srgbClr val="FFFFFF"/>
-                </a:solidFill>
-                <a:effectLst/>
-                <a:uLnTx/>
-                <a:uFillTx/>
-                <a:latin typeface="Arial"/>
-                <a:ea typeface="+mn-ea"/>
-                <a:cs typeface="+mn-cs"/>
               </a:rPr>
               <a:t>two</a:t>
             </a:r>
@@ -8419,6 +8357,118 @@
               <a:latin typeface="Arial"/>
               <a:ea typeface="+mn-ea"/>
               <a:cs typeface="Arial"/>
+            </a:endParaRPr>
+          </a:p>
+        </p:txBody>
+      </p:sp>
+      <p:sp>
+        <p:nvSpPr>
+          <p:cNvPr id="9" name="object 8">
+            <a:extLst>
+              <a:ext uri="{FF2B5EF4-FFF2-40B4-BE49-F238E27FC236}">
+                <a16:creationId xmlns:a16="http://schemas.microsoft.com/office/drawing/2014/main" id="{1C44D412-D1A8-F4FB-9463-D1D236E140E0}"/>
+              </a:ext>
+            </a:extLst>
+          </p:cNvPr>
+          <p:cNvSpPr txBox="1"/>
+          <p:nvPr/>
+        </p:nvSpPr>
+        <p:spPr>
+          <a:xfrm>
+            <a:off x="7317482" y="1767987"/>
+            <a:ext cx="3330488" cy="504946"/>
+          </a:xfrm>
+          <a:prstGeom prst="rect">
+            <a:avLst/>
+          </a:prstGeom>
+          <a:noFill/>
+        </p:spPr>
+        <p:txBody>
+          <a:bodyPr vert="horz" wrap="square" lIns="0" tIns="22860" rIns="0" bIns="0" rtlCol="0">
+            <a:spAutoFit/>
+          </a:bodyPr>
+          <a:lstStyle/>
+          <a:p>
+            <a:pPr marL="12700" marR="5080" lvl="0" indent="0" algn="l" defTabSz="914400" rtl="0" eaLnBrk="1" fontAlgn="auto" latinLnBrk="0" hangingPunct="1">
+              <a:lnSpc>
+                <a:spcPct val="101400"/>
+              </a:lnSpc>
+              <a:spcBef>
+                <a:spcPts val="0"/>
+              </a:spcBef>
+              <a:spcAft>
+                <a:spcPts val="0"/>
+              </a:spcAft>
+              <a:buClrTx/>
+              <a:buSzTx/>
+              <a:buFontTx/>
+              <a:buNone/>
+              <a:tabLst/>
+              <a:defRPr/>
+            </a:pPr>
+            <a:r>
+              <a:rPr kumimoji="0" lang="en-US" sz="1600" b="0" i="0" u="none" strike="noStrike" kern="1200" cap="none" spc="0" normalizeH="0" baseline="0" noProof="0" dirty="0" err="1">
+                <a:ln>
+                  <a:noFill/>
+                </a:ln>
+                <a:solidFill>
+                  <a:srgbClr val="FFFFFF"/>
+                </a:solidFill>
+                <a:effectLst/>
+                <a:uLnTx/>
+                <a:uFillTx/>
+                <a:latin typeface="Arial"/>
+                <a:ea typeface="+mn-ea"/>
+                <a:cs typeface="+mn-cs"/>
+              </a:rPr>
+              <a:t>CSF_copy_two</a:t>
+            </a:r>
+            <a:endParaRPr kumimoji="0" lang="en-US" sz="1600" b="0" i="0" u="none" strike="noStrike" kern="1200" cap="none" spc="0" normalizeH="0" baseline="0" noProof="0" dirty="0">
+              <a:ln>
+                <a:noFill/>
+              </a:ln>
+              <a:solidFill>
+                <a:srgbClr val="FFFFFF"/>
+              </a:solidFill>
+              <a:effectLst/>
+              <a:uLnTx/>
+              <a:uFillTx/>
+              <a:latin typeface="Arial"/>
+              <a:ea typeface="+mn-ea"/>
+              <a:cs typeface="+mn-cs"/>
+            </a:endParaRPr>
+          </a:p>
+          <a:p>
+            <a:pPr marL="12700" marR="5080" lvl="0" indent="0" algn="l" defTabSz="914400" rtl="0" eaLnBrk="1" fontAlgn="auto" latinLnBrk="0" hangingPunct="1">
+              <a:lnSpc>
+                <a:spcPct val="101400"/>
+              </a:lnSpc>
+              <a:spcBef>
+                <a:spcPts val="0"/>
+              </a:spcBef>
+              <a:spcAft>
+                <a:spcPts val="0"/>
+              </a:spcAft>
+              <a:buClrTx/>
+              <a:buSzTx/>
+              <a:buFontTx/>
+              <a:buNone/>
+              <a:tabLst/>
+              <a:defRPr/>
+            </a:pPr>
+            <a:endParaRPr kumimoji="0" lang="en-US" sz="1600" b="0" i="0" u="none" strike="noStrike" kern="1200" cap="none" spc="0" normalizeH="0" baseline="0" noProof="0" dirty="0">
+              <a:ln>
+                <a:noFill/>
+              </a:ln>
+              <a:solidFill>
+                <a:srgbClr val="FFFFFF"/>
+              </a:solidFill>
+              <a:effectLst/>
+              <a:uLnTx/>
+              <a:uFillTx/>
+              <a:latin typeface="Arial"/>
+              <a:ea typeface="+mn-ea"/>
+              <a:cs typeface="+mn-cs"/>
             </a:endParaRPr>
           </a:p>
         </p:txBody>
@@ -26005,6 +26055,34 @@
 </file>
 
 <file path=customXml/item1.xml><?xml version="1.0" encoding="utf-8"?>
+<p:properties xmlns:p="http://schemas.microsoft.com/office/2006/metadata/properties" xmlns:xsi="http://www.w3.org/2001/XMLSchema-instance" xmlns:pc="http://schemas.microsoft.com/office/infopath/2007/PartnerControls">
+  <documentManagement>
+    <TaxCatchAll xmlns="7dce001d-1281-40ee-a1b6-628132495ae2" xsi:nil="true"/>
+    <lcf76f155ced4ddcb4097134ff3c332f xmlns="cfe56dc5-d589-4e55-999a-fdff11c1e771">
+      <Terms xmlns="http://schemas.microsoft.com/office/infopath/2007/PartnerControls"/>
+    </lcf76f155ced4ddcb4097134ff3c332f>
+    <MediaLengthInSeconds xmlns="cfe56dc5-d589-4e55-999a-fdff11c1e771" xsi:nil="true"/>
+    <SharedWithUsers xmlns="7dce001d-1281-40ee-a1b6-628132495ae2">
+      <UserInfo>
+        <DisplayName/>
+        <AccountId xsi:nil="true"/>
+        <AccountType/>
+      </UserInfo>
+    </SharedWithUsers>
+  </documentManagement>
+</p:properties>
+</file>
+
+<file path=customXml/item2.xml><?xml version="1.0" encoding="utf-8"?>
+<?mso-contentType ?>
+<FormTemplates xmlns="http://schemas.microsoft.com/sharepoint/v3/contenttype/forms">
+  <Display>DocumentLibraryForm</Display>
+  <Edit>DocumentLibraryForm</Edit>
+  <New>DocumentLibraryForm</New>
+</FormTemplates>
+</file>
+
+<file path=customXml/item3.xml><?xml version="1.0" encoding="utf-8"?>
 <ct:contentTypeSchema xmlns:ct="http://schemas.microsoft.com/office/2006/metadata/contentType" xmlns:ma="http://schemas.microsoft.com/office/2006/metadata/properties/metaAttributes" ct:_="" ma:_="" ma:contentTypeName="Document" ma:contentTypeID="0x010100EDD1532379E9AA449C2CC87A71750F85" ma:contentTypeVersion="15" ma:contentTypeDescription="Create a new document." ma:contentTypeScope="" ma:versionID="dc75ef2e49a492ba9107a79f8ab73f99">
   <xsd:schema xmlns:xsd="http://www.w3.org/2001/XMLSchema" xmlns:xs="http://www.w3.org/2001/XMLSchema" xmlns:p="http://schemas.microsoft.com/office/2006/metadata/properties" xmlns:ns2="cfe56dc5-d589-4e55-999a-fdff11c1e771" xmlns:ns3="7dce001d-1281-40ee-a1b6-628132495ae2" targetNamespace="http://schemas.microsoft.com/office/2006/metadata/properties" ma:root="true" ma:fieldsID="8eb7d7d17e5aa68397531b663104162b" ns2:_="" ns3:_="">
     <xsd:import namespace="cfe56dc5-d589-4e55-999a-fdff11c1e771"/>
@@ -26239,35 +26317,32 @@
 </ct:contentTypeSchema>
 </file>
 
-<file path=customXml/item2.xml><?xml version="1.0" encoding="utf-8"?>
-<?mso-contentType ?>
-<FormTemplates xmlns="http://schemas.microsoft.com/sharepoint/v3/contenttype/forms">
-  <Display>DocumentLibraryForm</Display>
-  <Edit>DocumentLibraryForm</Edit>
-  <New>DocumentLibraryForm</New>
-</FormTemplates>
+<file path=customXml/itemProps1.xml><?xml version="1.0" encoding="utf-8"?>
+<ds:datastoreItem xmlns:ds="http://schemas.openxmlformats.org/officeDocument/2006/customXml" ds:itemID="{B3F3334C-90CB-4618-A027-18A183EDF7A7}">
+  <ds:schemaRefs>
+    <ds:schemaRef ds:uri="http://purl.org/dc/elements/1.1/"/>
+    <ds:schemaRef ds:uri="http://schemas.microsoft.com/office/infopath/2007/PartnerControls"/>
+    <ds:schemaRef ds:uri="http://schemas.microsoft.com/office/2006/metadata/properties"/>
+    <ds:schemaRef ds:uri="http://schemas.openxmlformats.org/package/2006/metadata/core-properties"/>
+    <ds:schemaRef ds:uri="http://schemas.microsoft.com/office/2006/documentManagement/types"/>
+    <ds:schemaRef ds:uri="7dce001d-1281-40ee-a1b6-628132495ae2"/>
+    <ds:schemaRef ds:uri="http://purl.org/dc/dcmitype/"/>
+    <ds:schemaRef ds:uri="cfe56dc5-d589-4e55-999a-fdff11c1e771"/>
+    <ds:schemaRef ds:uri="http://www.w3.org/XML/1998/namespace"/>
+    <ds:schemaRef ds:uri="http://purl.org/dc/terms/"/>
+  </ds:schemaRefs>
+</ds:datastoreItem>
 </file>
 
-<file path=customXml/item3.xml><?xml version="1.0" encoding="utf-8"?>
-<p:properties xmlns:p="http://schemas.microsoft.com/office/2006/metadata/properties" xmlns:xsi="http://www.w3.org/2001/XMLSchema-instance" xmlns:pc="http://schemas.microsoft.com/office/infopath/2007/PartnerControls">
-  <documentManagement>
-    <TaxCatchAll xmlns="7dce001d-1281-40ee-a1b6-628132495ae2" xsi:nil="true"/>
-    <lcf76f155ced4ddcb4097134ff3c332f xmlns="cfe56dc5-d589-4e55-999a-fdff11c1e771">
-      <Terms xmlns="http://schemas.microsoft.com/office/infopath/2007/PartnerControls"/>
-    </lcf76f155ced4ddcb4097134ff3c332f>
-    <MediaLengthInSeconds xmlns="cfe56dc5-d589-4e55-999a-fdff11c1e771" xsi:nil="true"/>
-    <SharedWithUsers xmlns="7dce001d-1281-40ee-a1b6-628132495ae2">
-      <UserInfo>
-        <DisplayName/>
-        <AccountId xsi:nil="true"/>
-        <AccountType/>
-      </UserInfo>
-    </SharedWithUsers>
-  </documentManagement>
-</p:properties>
+<file path=customXml/itemProps2.xml><?xml version="1.0" encoding="utf-8"?>
+<ds:datastoreItem xmlns:ds="http://schemas.openxmlformats.org/officeDocument/2006/customXml" ds:itemID="{AAAA7F56-A4DC-4563-8E14-69CBBAD0A99E}">
+  <ds:schemaRefs>
+    <ds:schemaRef ds:uri="http://schemas.microsoft.com/sharepoint/v3/contenttype/forms"/>
+  </ds:schemaRefs>
+</ds:datastoreItem>
 </file>
 
-<file path=customXml/itemProps1.xml><?xml version="1.0" encoding="utf-8"?>
+<file path=customXml/itemProps3.xml><?xml version="1.0" encoding="utf-8"?>
 <ds:datastoreItem xmlns:ds="http://schemas.openxmlformats.org/officeDocument/2006/customXml" ds:itemID="{1F612C05-3448-44B8-80E7-AC8DF7E212D2}">
   <ds:schemaRefs>
     <ds:schemaRef ds:uri="7dce001d-1281-40ee-a1b6-628132495ae2"/>
@@ -26284,29 +26359,4 @@
     <ds:schemaRef ds:uri="http://www.w3.org/2001/XMLSchema"/>
   </ds:schemaRefs>
 </ds:datastoreItem>
-</file>
-
-<file path=customXml/itemProps2.xml><?xml version="1.0" encoding="utf-8"?>
-<ds:datastoreItem xmlns:ds="http://schemas.openxmlformats.org/officeDocument/2006/customXml" ds:itemID="{AAAA7F56-A4DC-4563-8E14-69CBBAD0A99E}">
-  <ds:schemaRefs>
-    <ds:schemaRef ds:uri="http://schemas.microsoft.com/sharepoint/v3/contenttype/forms"/>
-  </ds:schemaRefs>
-</ds:datastoreItem>
-</file>
-
-<file path=customXml/itemProps3.xml><?xml version="1.0" encoding="utf-8"?>
-<ds:datastoreItem xmlns:ds="http://schemas.openxmlformats.org/officeDocument/2006/customXml" ds:itemID="{B3F3334C-90CB-4618-A027-18A183EDF7A7}">
-  <ds:schemaRefs>
-    <ds:schemaRef ds:uri="http://purl.org/dc/elements/1.1/"/>
-    <ds:schemaRef ds:uri="http://schemas.microsoft.com/office/infopath/2007/PartnerControls"/>
-    <ds:schemaRef ds:uri="http://schemas.microsoft.com/office/2006/metadata/properties"/>
-    <ds:schemaRef ds:uri="http://schemas.openxmlformats.org/package/2006/metadata/core-properties"/>
-    <ds:schemaRef ds:uri="http://schemas.microsoft.com/office/2006/documentManagement/types"/>
-    <ds:schemaRef ds:uri="7dce001d-1281-40ee-a1b6-628132495ae2"/>
-    <ds:schemaRef ds:uri="http://purl.org/dc/dcmitype/"/>
-    <ds:schemaRef ds:uri="cfe56dc5-d589-4e55-999a-fdff11c1e771"/>
-    <ds:schemaRef ds:uri="http://www.w3.org/XML/1998/namespace"/>
-    <ds:schemaRef ds:uri="http://purl.org/dc/terms/"/>
-  </ds:schemaRefs>
-</ds:datastoreItem>
 </file>
--- a/S1_templates.pptx
+++ b/S1_templates.pptx
@@ -8366,7 +8366,7 @@
           <p:cNvPr id="9" name="object 8">
             <a:extLst>
               <a:ext uri="{FF2B5EF4-FFF2-40B4-BE49-F238E27FC236}">
-                <a16:creationId xmlns:a16="http://schemas.microsoft.com/office/drawing/2014/main" id="{1C44D412-D1A8-F4FB-9463-D1D236E140E0}"/>
+                <a16:creationId xmlns:a16="http://schemas.microsoft.com/office/drawing/2014/main" id="{18B9B108-2657-1DC0-2CD1-6F9CD0773FA5}"/>
               </a:ext>
             </a:extLst>
           </p:cNvPr>
@@ -8375,7 +8375,7 @@
         </p:nvSpPr>
         <p:spPr>
           <a:xfrm>
-            <a:off x="7317482" y="1767987"/>
+            <a:off x="7317482" y="1838880"/>
             <a:ext cx="3330488" cy="504946"/>
           </a:xfrm>
           <a:prstGeom prst="rect">
@@ -8421,7 +8421,41 @@
                 <a:ea typeface="+mn-ea"/>
                 <a:cs typeface="+mn-cs"/>
               </a:rPr>
-              <a:t>CSF_copy_two</a:t>
+              <a:t>CSF_</a:t>
+            </a:r>
+            <a:r>
+              <a:rPr kumimoji="0" lang="en-US" sz="1600" b="0" i="0" u="none" strike="noStrike" kern="1200" cap="none" spc="0" normalizeH="0" baseline="0" noProof="0" err="1">
+                <a:ln>
+                  <a:noFill/>
+                </a:ln>
+                <a:solidFill>
+                  <a:srgbClr val="FFFFFF"/>
+                </a:solidFill>
+                <a:effectLst/>
+                <a:uLnTx/>
+                <a:uFillTx/>
+                <a:latin typeface="Arial"/>
+                <a:ea typeface="+mn-ea"/>
+                <a:cs typeface="+mn-cs"/>
+              </a:rPr>
+              <a:t>copy</a:t>
+            </a:r>
+            <a:r>
+              <a:rPr kumimoji="0" lang="en-US" sz="1600" b="0" i="0" u="none" strike="noStrike" kern="1200" cap="none" spc="0" normalizeH="0" baseline="0" noProof="0">
+                <a:ln>
+                  <a:noFill/>
+                </a:ln>
+                <a:solidFill>
+                  <a:srgbClr val="FFFFFF"/>
+                </a:solidFill>
+                <a:effectLst/>
+                <a:uLnTx/>
+                <a:uFillTx/>
+                <a:latin typeface="Arial"/>
+                <a:ea typeface="+mn-ea"/>
+                <a:cs typeface="+mn-cs"/>
+              </a:rPr>
+              <a:t>_two</a:t>
             </a:r>
             <a:endParaRPr kumimoji="0" lang="en-US" sz="1600" b="0" i="0" u="none" strike="noStrike" kern="1200" cap="none" spc="0" normalizeH="0" baseline="0" noProof="0" dirty="0">
               <a:ln>
@@ -26055,25 +26089,6 @@
 </file>
 
 <file path=customXml/item1.xml><?xml version="1.0" encoding="utf-8"?>
-<p:properties xmlns:p="http://schemas.microsoft.com/office/2006/metadata/properties" xmlns:xsi="http://www.w3.org/2001/XMLSchema-instance" xmlns:pc="http://schemas.microsoft.com/office/infopath/2007/PartnerControls">
-  <documentManagement>
-    <TaxCatchAll xmlns="7dce001d-1281-40ee-a1b6-628132495ae2" xsi:nil="true"/>
-    <lcf76f155ced4ddcb4097134ff3c332f xmlns="cfe56dc5-d589-4e55-999a-fdff11c1e771">
-      <Terms xmlns="http://schemas.microsoft.com/office/infopath/2007/PartnerControls"/>
-    </lcf76f155ced4ddcb4097134ff3c332f>
-    <MediaLengthInSeconds xmlns="cfe56dc5-d589-4e55-999a-fdff11c1e771" xsi:nil="true"/>
-    <SharedWithUsers xmlns="7dce001d-1281-40ee-a1b6-628132495ae2">
-      <UserInfo>
-        <DisplayName/>
-        <AccountId xsi:nil="true"/>
-        <AccountType/>
-      </UserInfo>
-    </SharedWithUsers>
-  </documentManagement>
-</p:properties>
-</file>
-
-<file path=customXml/item2.xml><?xml version="1.0" encoding="utf-8"?>
 <?mso-contentType ?>
 <FormTemplates xmlns="http://schemas.microsoft.com/sharepoint/v3/contenttype/forms">
   <Display>DocumentLibraryForm</Display>
@@ -26082,7 +26097,7 @@
 </FormTemplates>
 </file>
 
-<file path=customXml/item3.xml><?xml version="1.0" encoding="utf-8"?>
+<file path=customXml/item2.xml><?xml version="1.0" encoding="utf-8"?>
 <ct:contentTypeSchema xmlns:ct="http://schemas.microsoft.com/office/2006/metadata/contentType" xmlns:ma="http://schemas.microsoft.com/office/2006/metadata/properties/metaAttributes" ct:_="" ma:_="" ma:contentTypeName="Document" ma:contentTypeID="0x010100EDD1532379E9AA449C2CC87A71750F85" ma:contentTypeVersion="15" ma:contentTypeDescription="Create a new document." ma:contentTypeScope="" ma:versionID="dc75ef2e49a492ba9107a79f8ab73f99">
   <xsd:schema xmlns:xsd="http://www.w3.org/2001/XMLSchema" xmlns:xs="http://www.w3.org/2001/XMLSchema" xmlns:p="http://schemas.microsoft.com/office/2006/metadata/properties" xmlns:ns2="cfe56dc5-d589-4e55-999a-fdff11c1e771" xmlns:ns3="7dce001d-1281-40ee-a1b6-628132495ae2" targetNamespace="http://schemas.microsoft.com/office/2006/metadata/properties" ma:root="true" ma:fieldsID="8eb7d7d17e5aa68397531b663104162b" ns2:_="" ns3:_="">
     <xsd:import namespace="cfe56dc5-d589-4e55-999a-fdff11c1e771"/>
@@ -26317,24 +26332,26 @@
 </ct:contentTypeSchema>
 </file>
 
-<file path=customXml/itemProps1.xml><?xml version="1.0" encoding="utf-8"?>
-<ds:datastoreItem xmlns:ds="http://schemas.openxmlformats.org/officeDocument/2006/customXml" ds:itemID="{B3F3334C-90CB-4618-A027-18A183EDF7A7}">
-  <ds:schemaRefs>
-    <ds:schemaRef ds:uri="http://purl.org/dc/elements/1.1/"/>
-    <ds:schemaRef ds:uri="http://schemas.microsoft.com/office/infopath/2007/PartnerControls"/>
-    <ds:schemaRef ds:uri="http://schemas.microsoft.com/office/2006/metadata/properties"/>
-    <ds:schemaRef ds:uri="http://schemas.openxmlformats.org/package/2006/metadata/core-properties"/>
-    <ds:schemaRef ds:uri="http://schemas.microsoft.com/office/2006/documentManagement/types"/>
-    <ds:schemaRef ds:uri="7dce001d-1281-40ee-a1b6-628132495ae2"/>
-    <ds:schemaRef ds:uri="http://purl.org/dc/dcmitype/"/>
-    <ds:schemaRef ds:uri="cfe56dc5-d589-4e55-999a-fdff11c1e771"/>
-    <ds:schemaRef ds:uri="http://www.w3.org/XML/1998/namespace"/>
-    <ds:schemaRef ds:uri="http://purl.org/dc/terms/"/>
-  </ds:schemaRefs>
-</ds:datastoreItem>
+<file path=customXml/item3.xml><?xml version="1.0" encoding="utf-8"?>
+<p:properties xmlns:p="http://schemas.microsoft.com/office/2006/metadata/properties" xmlns:xsi="http://www.w3.org/2001/XMLSchema-instance" xmlns:pc="http://schemas.microsoft.com/office/infopath/2007/PartnerControls">
+  <documentManagement>
+    <TaxCatchAll xmlns="7dce001d-1281-40ee-a1b6-628132495ae2" xsi:nil="true"/>
+    <lcf76f155ced4ddcb4097134ff3c332f xmlns="cfe56dc5-d589-4e55-999a-fdff11c1e771">
+      <Terms xmlns="http://schemas.microsoft.com/office/infopath/2007/PartnerControls"/>
+    </lcf76f155ced4ddcb4097134ff3c332f>
+    <MediaLengthInSeconds xmlns="cfe56dc5-d589-4e55-999a-fdff11c1e771" xsi:nil="true"/>
+    <SharedWithUsers xmlns="7dce001d-1281-40ee-a1b6-628132495ae2">
+      <UserInfo>
+        <DisplayName/>
+        <AccountId xsi:nil="true"/>
+        <AccountType/>
+      </UserInfo>
+    </SharedWithUsers>
+  </documentManagement>
+</p:properties>
 </file>
 
-<file path=customXml/itemProps2.xml><?xml version="1.0" encoding="utf-8"?>
+<file path=customXml/itemProps1.xml><?xml version="1.0" encoding="utf-8"?>
 <ds:datastoreItem xmlns:ds="http://schemas.openxmlformats.org/officeDocument/2006/customXml" ds:itemID="{AAAA7F56-A4DC-4563-8E14-69CBBAD0A99E}">
   <ds:schemaRefs>
     <ds:schemaRef ds:uri="http://schemas.microsoft.com/sharepoint/v3/contenttype/forms"/>
@@ -26342,7 +26359,7 @@
 </ds:datastoreItem>
 </file>
 
-<file path=customXml/itemProps3.xml><?xml version="1.0" encoding="utf-8"?>
+<file path=customXml/itemProps2.xml><?xml version="1.0" encoding="utf-8"?>
 <ds:datastoreItem xmlns:ds="http://schemas.openxmlformats.org/officeDocument/2006/customXml" ds:itemID="{1F612C05-3448-44B8-80E7-AC8DF7E212D2}">
   <ds:schemaRefs>
     <ds:schemaRef ds:uri="7dce001d-1281-40ee-a1b6-628132495ae2"/>
@@ -26359,4 +26376,21 @@
     <ds:schemaRef ds:uri="http://www.w3.org/2001/XMLSchema"/>
   </ds:schemaRefs>
 </ds:datastoreItem>
+</file>
+
+<file path=customXml/itemProps3.xml><?xml version="1.0" encoding="utf-8"?>
+<ds:datastoreItem xmlns:ds="http://schemas.openxmlformats.org/officeDocument/2006/customXml" ds:itemID="{B3F3334C-90CB-4618-A027-18A183EDF7A7}">
+  <ds:schemaRefs>
+    <ds:schemaRef ds:uri="http://purl.org/dc/elements/1.1/"/>
+    <ds:schemaRef ds:uri="http://schemas.microsoft.com/office/infopath/2007/PartnerControls"/>
+    <ds:schemaRef ds:uri="http://schemas.microsoft.com/office/2006/metadata/properties"/>
+    <ds:schemaRef ds:uri="http://schemas.openxmlformats.org/package/2006/metadata/core-properties"/>
+    <ds:schemaRef ds:uri="http://schemas.microsoft.com/office/2006/documentManagement/types"/>
+    <ds:schemaRef ds:uri="7dce001d-1281-40ee-a1b6-628132495ae2"/>
+    <ds:schemaRef ds:uri="http://purl.org/dc/dcmitype/"/>
+    <ds:schemaRef ds:uri="cfe56dc5-d589-4e55-999a-fdff11c1e771"/>
+    <ds:schemaRef ds:uri="http://www.w3.org/XML/1998/namespace"/>
+    <ds:schemaRef ds:uri="http://purl.org/dc/terms/"/>
+  </ds:schemaRefs>
+</ds:datastoreItem>
 </file>